--- a/Project report.pptx
+++ b/Project report.pptx
@@ -2053,7 +2053,7 @@
             <a:fld id="{B61BEF0D-F0BB-DE4B-95CE-6DB70DBA9567}" type="datetimeFigureOut">
               <a:rPr lang="en-US" dirty="0"/>
               <a:pPr/>
-              <a:t>7/20/2023</a:t>
+              <a:t>7/24/2023</a:t>
             </a:fld>
             <a:endParaRPr lang="en-US" dirty="0"/>
           </a:p>
@@ -2315,7 +2315,7 @@
             <a:fld id="{B61BEF0D-F0BB-DE4B-95CE-6DB70DBA9567}" type="datetimeFigureOut">
               <a:rPr lang="en-US" dirty="0"/>
               <a:pPr/>
-              <a:t>7/20/2023</a:t>
+              <a:t>7/24/2023</a:t>
             </a:fld>
             <a:endParaRPr lang="en-US" dirty="0"/>
           </a:p>
@@ -2640,7 +2640,7 @@
             <a:fld id="{B61BEF0D-F0BB-DE4B-95CE-6DB70DBA9567}" type="datetimeFigureOut">
               <a:rPr lang="en-US" dirty="0"/>
               <a:pPr/>
-              <a:t>7/20/2023</a:t>
+              <a:t>7/24/2023</a:t>
             </a:fld>
             <a:endParaRPr lang="en-US" dirty="0"/>
           </a:p>
@@ -2992,7 +2992,7 @@
             <a:fld id="{B61BEF0D-F0BB-DE4B-95CE-6DB70DBA9567}" type="datetimeFigureOut">
               <a:rPr lang="en-US" dirty="0"/>
               <a:pPr/>
-              <a:t>7/20/2023</a:t>
+              <a:t>7/24/2023</a:t>
             </a:fld>
             <a:endParaRPr lang="en-US" dirty="0"/>
           </a:p>
@@ -3317,7 +3317,7 @@
             <a:fld id="{B61BEF0D-F0BB-DE4B-95CE-6DB70DBA9567}" type="datetimeFigureOut">
               <a:rPr lang="en-US" dirty="0"/>
               <a:pPr/>
-              <a:t>7/20/2023</a:t>
+              <a:t>7/24/2023</a:t>
             </a:fld>
             <a:endParaRPr lang="en-US" dirty="0"/>
           </a:p>
@@ -3721,7 +3721,7 @@
             <a:fld id="{B61BEF0D-F0BB-DE4B-95CE-6DB70DBA9567}" type="datetimeFigureOut">
               <a:rPr lang="en-US" dirty="0"/>
               <a:pPr/>
-              <a:t>7/20/2023</a:t>
+              <a:t>7/24/2023</a:t>
             </a:fld>
             <a:endParaRPr lang="en-US" dirty="0"/>
           </a:p>
@@ -3901,7 +3901,7 @@
           <a:p>
             <a:fld id="{55C6B4A9-1611-4792-9094-5F34BCA07E0B}" type="datetimeFigureOut">
               <a:rPr lang="en-US" dirty="0"/>
-              <a:t>7/20/2023</a:t>
+              <a:t>7/24/2023</a:t>
             </a:fld>
             <a:endParaRPr lang="en-US" dirty="0"/>
           </a:p>
@@ -4092,7 +4092,7 @@
             <a:fld id="{B61BEF0D-F0BB-DE4B-95CE-6DB70DBA9567}" type="datetimeFigureOut">
               <a:rPr lang="en-US" dirty="0"/>
               <a:pPr/>
-              <a:t>7/20/2023</a:t>
+              <a:t>7/24/2023</a:t>
             </a:fld>
             <a:endParaRPr lang="en-US" dirty="0"/>
           </a:p>
@@ -4646,7 +4646,7 @@
             <a:fld id="{B61BEF0D-F0BB-DE4B-95CE-6DB70DBA9567}" type="datetimeFigureOut">
               <a:rPr lang="en-US" dirty="0"/>
               <a:pPr/>
-              <a:t>7/20/2023</a:t>
+              <a:t>7/24/2023</a:t>
             </a:fld>
             <a:endParaRPr lang="en-US" dirty="0"/>
           </a:p>
@@ -4904,7 +4904,7 @@
             <a:fld id="{B61BEF0D-F0BB-DE4B-95CE-6DB70DBA9567}" type="datetimeFigureOut">
               <a:rPr lang="en-US" dirty="0"/>
               <a:pPr/>
-              <a:t>7/20/2023</a:t>
+              <a:t>7/24/2023</a:t>
             </a:fld>
             <a:endParaRPr lang="en-US" dirty="0"/>
           </a:p>
@@ -5146,7 +5146,7 @@
           <a:p>
             <a:fld id="{EB712588-04B1-427B-82EE-E8DB90309F08}" type="datetimeFigureOut">
               <a:rPr lang="en-US" dirty="0"/>
-              <a:t>7/20/2023</a:t>
+              <a:t>7/24/2023</a:t>
             </a:fld>
             <a:endParaRPr lang="en-US" dirty="0"/>
           </a:p>
@@ -5531,7 +5531,7 @@
             <a:fld id="{B61BEF0D-F0BB-DE4B-95CE-6DB70DBA9567}" type="datetimeFigureOut">
               <a:rPr lang="en-US" dirty="0"/>
               <a:pPr/>
-              <a:t>7/20/2023</a:t>
+              <a:t>7/24/2023</a:t>
             </a:fld>
             <a:endParaRPr lang="en-US" dirty="0"/>
           </a:p>
@@ -5665,7 +5665,7 @@
             <a:fld id="{B61BEF0D-F0BB-DE4B-95CE-6DB70DBA9567}" type="datetimeFigureOut">
               <a:rPr lang="en-US" dirty="0"/>
               <a:pPr/>
-              <a:t>7/20/2023</a:t>
+              <a:t>7/24/2023</a:t>
             </a:fld>
             <a:endParaRPr lang="en-US" dirty="0"/>
           </a:p>
@@ -5771,7 +5771,7 @@
             <a:fld id="{B61BEF0D-F0BB-DE4B-95CE-6DB70DBA9567}" type="datetimeFigureOut">
               <a:rPr lang="en-US" dirty="0"/>
               <a:pPr/>
-              <a:t>7/20/2023</a:t>
+              <a:t>7/24/2023</a:t>
             </a:fld>
             <a:endParaRPr lang="en-US" dirty="0"/>
           </a:p>
@@ -6035,7 +6035,7 @@
           <a:p>
             <a:fld id="{42A54C80-263E-416B-A8E0-580EDEADCBDC}" type="datetimeFigureOut">
               <a:rPr lang="en-US" dirty="0"/>
-              <a:t>7/20/2023</a:t>
+              <a:t>7/24/2023</a:t>
             </a:fld>
             <a:endParaRPr lang="en-US" dirty="0"/>
           </a:p>
@@ -6309,7 +6309,7 @@
             <a:fld id="{B61BEF0D-F0BB-DE4B-95CE-6DB70DBA9567}" type="datetimeFigureOut">
               <a:rPr lang="en-US" dirty="0"/>
               <a:pPr/>
-              <a:t>7/20/2023</a:t>
+              <a:t>7/24/2023</a:t>
             </a:fld>
             <a:endParaRPr lang="en-US" dirty="0"/>
           </a:p>
@@ -7063,7 +7063,7 @@
             <a:fld id="{B61BEF0D-F0BB-DE4B-95CE-6DB70DBA9567}" type="datetimeFigureOut">
               <a:rPr lang="en-US" dirty="0"/>
               <a:pPr/>
-              <a:t>7/20/2023</a:t>
+              <a:t>7/24/2023</a:t>
             </a:fld>
             <a:endParaRPr lang="en-US" dirty="0"/>
           </a:p>
@@ -8037,7 +8037,7 @@
         </p:nvSpPr>
         <p:spPr>
           <a:xfrm>
-            <a:off x="1157275" y="458550"/>
+            <a:off x="1157275" y="437118"/>
             <a:ext cx="4143388" cy="605869"/>
           </a:xfrm>
           <a:prstGeom prst="rect">
@@ -8201,7 +8201,7 @@
         </p:nvSpPr>
         <p:spPr>
           <a:xfrm>
-            <a:off x="1157275" y="458550"/>
+            <a:off x="1157275" y="279951"/>
             <a:ext cx="3293925" cy="605869"/>
           </a:xfrm>
           <a:prstGeom prst="rect">
@@ -8379,14 +8379,14 @@
           <p:nvPr>
             <p:extLst>
               <p:ext uri="{D42A27DB-BD31-4B8C-83A1-F6EECF244321}">
-                <p14:modId xmlns:p14="http://schemas.microsoft.com/office/powerpoint/2010/main" val="4265474028"/>
+                <p14:modId xmlns:p14="http://schemas.microsoft.com/office/powerpoint/2010/main" val="3069859226"/>
               </p:ext>
             </p:extLst>
           </p:nvPr>
         </p:nvGraphicFramePr>
         <p:xfrm>
-          <a:off x="1157276" y="975519"/>
-          <a:ext cx="4643449" cy="3596475"/>
+          <a:off x="1157276" y="818352"/>
+          <a:ext cx="4643449" cy="4068000"/>
         </p:xfrm>
         <a:graphic>
           <a:graphicData uri="http://schemas.openxmlformats.org/drawingml/2006/table">
@@ -8410,7 +8410,7 @@
                   </a:extLst>
                 </a:gridCol>
               </a:tblGrid>
-              <a:tr h="239765">
+              <a:tr h="288000">
                 <a:tc>
                   <a:txBody>
                     <a:bodyPr/>
@@ -8423,7 +8423,40 @@
                       <a:endParaRPr lang="en-IN" sz="900" dirty="0"/>
                     </a:p>
                   </a:txBody>
-                  <a:tcPr/>
+                  <a:tcPr anchor="ctr">
+                    <a:lnL w="38100" cap="flat" cmpd="sng" algn="ctr">
+                      <a:solidFill>
+                        <a:schemeClr val="accent1"/>
+                      </a:solidFill>
+                      <a:prstDash val="solid"/>
+                      <a:round/>
+                      <a:headEnd type="none" w="med" len="med"/>
+                      <a:tailEnd type="none" w="med" len="med"/>
+                    </a:lnL>
+                    <a:lnR w="12700" cmpd="sng">
+                      <a:noFill/>
+                    </a:lnR>
+                    <a:lnT w="38100" cap="flat" cmpd="sng" algn="ctr">
+                      <a:solidFill>
+                        <a:schemeClr val="accent1"/>
+                      </a:solidFill>
+                      <a:prstDash val="solid"/>
+                      <a:round/>
+                      <a:headEnd type="none" w="med" len="med"/>
+                      <a:tailEnd type="none" w="med" len="med"/>
+                    </a:lnT>
+                    <a:lnB w="38100" cmpd="sng">
+                      <a:noFill/>
+                    </a:lnB>
+                    <a:lnTlToBr w="12700" cmpd="sng">
+                      <a:noFill/>
+                      <a:prstDash val="solid"/>
+                    </a:lnTlToBr>
+                    <a:lnBlToTr w="12700" cmpd="sng">
+                      <a:noFill/>
+                      <a:prstDash val="solid"/>
+                    </a:lnBlToTr>
+                  </a:tcPr>
                 </a:tc>
                 <a:tc>
                   <a:txBody>
@@ -8437,7 +8470,40 @@
                       <a:endParaRPr lang="en-IN" sz="900" dirty="0"/>
                     </a:p>
                   </a:txBody>
-                  <a:tcPr/>
+                  <a:tcPr anchor="ctr">
+                    <a:lnL w="12700" cmpd="sng">
+                      <a:noFill/>
+                    </a:lnL>
+                    <a:lnR w="38100" cap="flat" cmpd="sng" algn="ctr">
+                      <a:solidFill>
+                        <a:schemeClr val="accent1"/>
+                      </a:solidFill>
+                      <a:prstDash val="solid"/>
+                      <a:round/>
+                      <a:headEnd type="none" w="med" len="med"/>
+                      <a:tailEnd type="none" w="med" len="med"/>
+                    </a:lnR>
+                    <a:lnT w="38100" cap="flat" cmpd="sng" algn="ctr">
+                      <a:solidFill>
+                        <a:schemeClr val="accent1"/>
+                      </a:solidFill>
+                      <a:prstDash val="solid"/>
+                      <a:round/>
+                      <a:headEnd type="none" w="med" len="med"/>
+                      <a:tailEnd type="none" w="med" len="med"/>
+                    </a:lnT>
+                    <a:lnB w="38100" cmpd="sng">
+                      <a:noFill/>
+                    </a:lnB>
+                    <a:lnTlToBr w="12700" cmpd="sng">
+                      <a:noFill/>
+                      <a:prstDash val="solid"/>
+                    </a:lnTlToBr>
+                    <a:lnBlToTr w="12700" cmpd="sng">
+                      <a:noFill/>
+                      <a:prstDash val="solid"/>
+                    </a:lnBlToTr>
+                  </a:tcPr>
                 </a:tc>
                 <a:extLst>
                   <a:ext uri="{0D108BD9-81ED-4DB2-BD59-A6C34878D82A}">
@@ -8445,7 +8511,7 @@
                   </a:ext>
                 </a:extLst>
               </a:tr>
-              <a:tr h="239765">
+              <a:tr h="270000">
                 <a:tc>
                   <a:txBody>
                     <a:bodyPr/>
@@ -8458,7 +8524,40 @@
                       <a:endParaRPr lang="en-IN" sz="900" dirty="0"/>
                     </a:p>
                   </a:txBody>
-                  <a:tcPr/>
+                  <a:tcPr anchor="ctr">
+                    <a:lnL w="38100" cap="flat" cmpd="sng" algn="ctr">
+                      <a:solidFill>
+                        <a:schemeClr val="accent1"/>
+                      </a:solidFill>
+                      <a:prstDash val="solid"/>
+                      <a:round/>
+                      <a:headEnd type="none" w="med" len="med"/>
+                      <a:tailEnd type="none" w="med" len="med"/>
+                    </a:lnL>
+                    <a:lnR w="6350" cap="flat" cmpd="sng" algn="ctr">
+                      <a:solidFill>
+                        <a:schemeClr val="accent1"/>
+                      </a:solidFill>
+                      <a:prstDash val="solid"/>
+                      <a:round/>
+                      <a:headEnd type="none" w="med" len="med"/>
+                      <a:tailEnd type="none" w="med" len="med"/>
+                    </a:lnR>
+                    <a:lnT w="38100" cmpd="sng">
+                      <a:noFill/>
+                    </a:lnT>
+                    <a:lnB w="12700" cmpd="sng">
+                      <a:noFill/>
+                    </a:lnB>
+                    <a:lnTlToBr w="12700" cmpd="sng">
+                      <a:noFill/>
+                      <a:prstDash val="solid"/>
+                    </a:lnTlToBr>
+                    <a:lnBlToTr w="12700" cmpd="sng">
+                      <a:noFill/>
+                      <a:prstDash val="solid"/>
+                    </a:lnBlToTr>
+                  </a:tcPr>
                 </a:tc>
                 <a:tc>
                   <a:txBody>
@@ -8472,7 +8571,40 @@
                       <a:endParaRPr lang="en-IN" sz="900" dirty="0"/>
                     </a:p>
                   </a:txBody>
-                  <a:tcPr/>
+                  <a:tcPr anchor="ctr">
+                    <a:lnL w="6350" cap="flat" cmpd="sng" algn="ctr">
+                      <a:solidFill>
+                        <a:schemeClr val="accent1"/>
+                      </a:solidFill>
+                      <a:prstDash val="solid"/>
+                      <a:round/>
+                      <a:headEnd type="none" w="med" len="med"/>
+                      <a:tailEnd type="none" w="med" len="med"/>
+                    </a:lnL>
+                    <a:lnR w="38100" cap="flat" cmpd="sng" algn="ctr">
+                      <a:solidFill>
+                        <a:schemeClr val="accent1"/>
+                      </a:solidFill>
+                      <a:prstDash val="solid"/>
+                      <a:round/>
+                      <a:headEnd type="none" w="med" len="med"/>
+                      <a:tailEnd type="none" w="med" len="med"/>
+                    </a:lnR>
+                    <a:lnT w="38100" cmpd="sng">
+                      <a:noFill/>
+                    </a:lnT>
+                    <a:lnB w="12700" cmpd="sng">
+                      <a:noFill/>
+                    </a:lnB>
+                    <a:lnTlToBr w="12700" cmpd="sng">
+                      <a:noFill/>
+                      <a:prstDash val="solid"/>
+                    </a:lnTlToBr>
+                    <a:lnBlToTr w="12700" cmpd="sng">
+                      <a:noFill/>
+                      <a:prstDash val="solid"/>
+                    </a:lnBlToTr>
+                  </a:tcPr>
                 </a:tc>
                 <a:extLst>
                   <a:ext uri="{0D108BD9-81ED-4DB2-BD59-A6C34878D82A}">
@@ -8480,7 +8612,7 @@
                   </a:ext>
                 </a:extLst>
               </a:tr>
-              <a:tr h="239765">
+              <a:tr h="270000">
                 <a:tc>
                   <a:txBody>
                     <a:bodyPr/>
@@ -8493,7 +8625,40 @@
                       <a:endParaRPr lang="en-IN" sz="900" dirty="0"/>
                     </a:p>
                   </a:txBody>
-                  <a:tcPr/>
+                  <a:tcPr anchor="ctr">
+                    <a:lnL w="38100" cap="flat" cmpd="sng" algn="ctr">
+                      <a:solidFill>
+                        <a:schemeClr val="accent1"/>
+                      </a:solidFill>
+                      <a:prstDash val="solid"/>
+                      <a:round/>
+                      <a:headEnd type="none" w="med" len="med"/>
+                      <a:tailEnd type="none" w="med" len="med"/>
+                    </a:lnL>
+                    <a:lnR w="6350" cap="flat" cmpd="sng" algn="ctr">
+                      <a:solidFill>
+                        <a:schemeClr val="accent1"/>
+                      </a:solidFill>
+                      <a:prstDash val="solid"/>
+                      <a:round/>
+                      <a:headEnd type="none" w="med" len="med"/>
+                      <a:tailEnd type="none" w="med" len="med"/>
+                    </a:lnR>
+                    <a:lnT w="12700" cmpd="sng">
+                      <a:noFill/>
+                    </a:lnT>
+                    <a:lnB w="12700" cmpd="sng">
+                      <a:noFill/>
+                    </a:lnB>
+                    <a:lnTlToBr w="12700" cmpd="sng">
+                      <a:noFill/>
+                      <a:prstDash val="solid"/>
+                    </a:lnTlToBr>
+                    <a:lnBlToTr w="12700" cmpd="sng">
+                      <a:noFill/>
+                      <a:prstDash val="solid"/>
+                    </a:lnBlToTr>
+                  </a:tcPr>
                 </a:tc>
                 <a:tc>
                   <a:txBody>
@@ -8507,7 +8672,40 @@
                       <a:endParaRPr lang="en-IN" sz="900" dirty="0"/>
                     </a:p>
                   </a:txBody>
-                  <a:tcPr/>
+                  <a:tcPr anchor="ctr">
+                    <a:lnL w="6350" cap="flat" cmpd="sng" algn="ctr">
+                      <a:solidFill>
+                        <a:schemeClr val="accent1"/>
+                      </a:solidFill>
+                      <a:prstDash val="solid"/>
+                      <a:round/>
+                      <a:headEnd type="none" w="med" len="med"/>
+                      <a:tailEnd type="none" w="med" len="med"/>
+                    </a:lnL>
+                    <a:lnR w="38100" cap="flat" cmpd="sng" algn="ctr">
+                      <a:solidFill>
+                        <a:schemeClr val="accent1"/>
+                      </a:solidFill>
+                      <a:prstDash val="solid"/>
+                      <a:round/>
+                      <a:headEnd type="none" w="med" len="med"/>
+                      <a:tailEnd type="none" w="med" len="med"/>
+                    </a:lnR>
+                    <a:lnT w="12700" cmpd="sng">
+                      <a:noFill/>
+                    </a:lnT>
+                    <a:lnB w="12700" cmpd="sng">
+                      <a:noFill/>
+                    </a:lnB>
+                    <a:lnTlToBr w="12700" cmpd="sng">
+                      <a:noFill/>
+                      <a:prstDash val="solid"/>
+                    </a:lnTlToBr>
+                    <a:lnBlToTr w="12700" cmpd="sng">
+                      <a:noFill/>
+                      <a:prstDash val="solid"/>
+                    </a:lnBlToTr>
+                  </a:tcPr>
                 </a:tc>
                 <a:extLst>
                   <a:ext uri="{0D108BD9-81ED-4DB2-BD59-A6C34878D82A}">
@@ -8515,7 +8713,7 @@
                   </a:ext>
                 </a:extLst>
               </a:tr>
-              <a:tr h="239765">
+              <a:tr h="270000">
                 <a:tc>
                   <a:txBody>
                     <a:bodyPr/>
@@ -8528,7 +8726,40 @@
                       <a:endParaRPr lang="en-IN" sz="900" dirty="0"/>
                     </a:p>
                   </a:txBody>
-                  <a:tcPr/>
+                  <a:tcPr anchor="ctr">
+                    <a:lnL w="38100" cap="flat" cmpd="sng" algn="ctr">
+                      <a:solidFill>
+                        <a:schemeClr val="accent1"/>
+                      </a:solidFill>
+                      <a:prstDash val="solid"/>
+                      <a:round/>
+                      <a:headEnd type="none" w="med" len="med"/>
+                      <a:tailEnd type="none" w="med" len="med"/>
+                    </a:lnL>
+                    <a:lnR w="6350" cap="flat" cmpd="sng" algn="ctr">
+                      <a:solidFill>
+                        <a:schemeClr val="accent1"/>
+                      </a:solidFill>
+                      <a:prstDash val="solid"/>
+                      <a:round/>
+                      <a:headEnd type="none" w="med" len="med"/>
+                      <a:tailEnd type="none" w="med" len="med"/>
+                    </a:lnR>
+                    <a:lnT w="12700" cmpd="sng">
+                      <a:noFill/>
+                    </a:lnT>
+                    <a:lnB w="12700" cmpd="sng">
+                      <a:noFill/>
+                    </a:lnB>
+                    <a:lnTlToBr w="12700" cmpd="sng">
+                      <a:noFill/>
+                      <a:prstDash val="solid"/>
+                    </a:lnTlToBr>
+                    <a:lnBlToTr w="12700" cmpd="sng">
+                      <a:noFill/>
+                      <a:prstDash val="solid"/>
+                    </a:lnBlToTr>
+                  </a:tcPr>
                 </a:tc>
                 <a:tc>
                   <a:txBody>
@@ -8542,7 +8773,40 @@
                       <a:endParaRPr lang="en-IN" sz="900" dirty="0"/>
                     </a:p>
                   </a:txBody>
-                  <a:tcPr/>
+                  <a:tcPr anchor="ctr">
+                    <a:lnL w="6350" cap="flat" cmpd="sng" algn="ctr">
+                      <a:solidFill>
+                        <a:schemeClr val="accent1"/>
+                      </a:solidFill>
+                      <a:prstDash val="solid"/>
+                      <a:round/>
+                      <a:headEnd type="none" w="med" len="med"/>
+                      <a:tailEnd type="none" w="med" len="med"/>
+                    </a:lnL>
+                    <a:lnR w="38100" cap="flat" cmpd="sng" algn="ctr">
+                      <a:solidFill>
+                        <a:schemeClr val="accent1"/>
+                      </a:solidFill>
+                      <a:prstDash val="solid"/>
+                      <a:round/>
+                      <a:headEnd type="none" w="med" len="med"/>
+                      <a:tailEnd type="none" w="med" len="med"/>
+                    </a:lnR>
+                    <a:lnT w="12700" cmpd="sng">
+                      <a:noFill/>
+                    </a:lnT>
+                    <a:lnB w="12700" cmpd="sng">
+                      <a:noFill/>
+                    </a:lnB>
+                    <a:lnTlToBr w="12700" cmpd="sng">
+                      <a:noFill/>
+                      <a:prstDash val="solid"/>
+                    </a:lnTlToBr>
+                    <a:lnBlToTr w="12700" cmpd="sng">
+                      <a:noFill/>
+                      <a:prstDash val="solid"/>
+                    </a:lnBlToTr>
+                  </a:tcPr>
                 </a:tc>
                 <a:extLst>
                   <a:ext uri="{0D108BD9-81ED-4DB2-BD59-A6C34878D82A}">
@@ -8550,7 +8814,7 @@
                   </a:ext>
                 </a:extLst>
               </a:tr>
-              <a:tr h="239765">
+              <a:tr h="270000">
                 <a:tc>
                   <a:txBody>
                     <a:bodyPr/>
@@ -8563,7 +8827,40 @@
                       <a:endParaRPr lang="en-IN" sz="900" dirty="0"/>
                     </a:p>
                   </a:txBody>
-                  <a:tcPr/>
+                  <a:tcPr anchor="ctr">
+                    <a:lnL w="38100" cap="flat" cmpd="sng" algn="ctr">
+                      <a:solidFill>
+                        <a:schemeClr val="accent1"/>
+                      </a:solidFill>
+                      <a:prstDash val="solid"/>
+                      <a:round/>
+                      <a:headEnd type="none" w="med" len="med"/>
+                      <a:tailEnd type="none" w="med" len="med"/>
+                    </a:lnL>
+                    <a:lnR w="6350" cap="flat" cmpd="sng" algn="ctr">
+                      <a:solidFill>
+                        <a:schemeClr val="accent1"/>
+                      </a:solidFill>
+                      <a:prstDash val="solid"/>
+                      <a:round/>
+                      <a:headEnd type="none" w="med" len="med"/>
+                      <a:tailEnd type="none" w="med" len="med"/>
+                    </a:lnR>
+                    <a:lnT w="12700" cmpd="sng">
+                      <a:noFill/>
+                    </a:lnT>
+                    <a:lnB w="12700" cmpd="sng">
+                      <a:noFill/>
+                    </a:lnB>
+                    <a:lnTlToBr w="12700" cmpd="sng">
+                      <a:noFill/>
+                      <a:prstDash val="solid"/>
+                    </a:lnTlToBr>
+                    <a:lnBlToTr w="12700" cmpd="sng">
+                      <a:noFill/>
+                      <a:prstDash val="solid"/>
+                    </a:lnBlToTr>
+                  </a:tcPr>
                 </a:tc>
                 <a:tc>
                   <a:txBody>
@@ -8577,7 +8874,40 @@
                       <a:endParaRPr lang="en-IN" sz="900" dirty="0"/>
                     </a:p>
                   </a:txBody>
-                  <a:tcPr/>
+                  <a:tcPr anchor="ctr">
+                    <a:lnL w="6350" cap="flat" cmpd="sng" algn="ctr">
+                      <a:solidFill>
+                        <a:schemeClr val="accent1"/>
+                      </a:solidFill>
+                      <a:prstDash val="solid"/>
+                      <a:round/>
+                      <a:headEnd type="none" w="med" len="med"/>
+                      <a:tailEnd type="none" w="med" len="med"/>
+                    </a:lnL>
+                    <a:lnR w="38100" cap="flat" cmpd="sng" algn="ctr">
+                      <a:solidFill>
+                        <a:schemeClr val="accent1"/>
+                      </a:solidFill>
+                      <a:prstDash val="solid"/>
+                      <a:round/>
+                      <a:headEnd type="none" w="med" len="med"/>
+                      <a:tailEnd type="none" w="med" len="med"/>
+                    </a:lnR>
+                    <a:lnT w="12700" cmpd="sng">
+                      <a:noFill/>
+                    </a:lnT>
+                    <a:lnB w="12700" cmpd="sng">
+                      <a:noFill/>
+                    </a:lnB>
+                    <a:lnTlToBr w="12700" cmpd="sng">
+                      <a:noFill/>
+                      <a:prstDash val="solid"/>
+                    </a:lnTlToBr>
+                    <a:lnBlToTr w="12700" cmpd="sng">
+                      <a:noFill/>
+                      <a:prstDash val="solid"/>
+                    </a:lnBlToTr>
+                  </a:tcPr>
                 </a:tc>
                 <a:extLst>
                   <a:ext uri="{0D108BD9-81ED-4DB2-BD59-A6C34878D82A}">
@@ -8585,7 +8915,7 @@
                   </a:ext>
                 </a:extLst>
               </a:tr>
-              <a:tr h="239765">
+              <a:tr h="270000">
                 <a:tc>
                   <a:txBody>
                     <a:bodyPr/>
@@ -8598,7 +8928,40 @@
                       <a:endParaRPr lang="en-IN" sz="900" dirty="0"/>
                     </a:p>
                   </a:txBody>
-                  <a:tcPr/>
+                  <a:tcPr anchor="ctr">
+                    <a:lnL w="38100" cap="flat" cmpd="sng" algn="ctr">
+                      <a:solidFill>
+                        <a:schemeClr val="accent1"/>
+                      </a:solidFill>
+                      <a:prstDash val="solid"/>
+                      <a:round/>
+                      <a:headEnd type="none" w="med" len="med"/>
+                      <a:tailEnd type="none" w="med" len="med"/>
+                    </a:lnL>
+                    <a:lnR w="6350" cap="flat" cmpd="sng" algn="ctr">
+                      <a:solidFill>
+                        <a:schemeClr val="accent1"/>
+                      </a:solidFill>
+                      <a:prstDash val="solid"/>
+                      <a:round/>
+                      <a:headEnd type="none" w="med" len="med"/>
+                      <a:tailEnd type="none" w="med" len="med"/>
+                    </a:lnR>
+                    <a:lnT w="12700" cmpd="sng">
+                      <a:noFill/>
+                    </a:lnT>
+                    <a:lnB w="12700" cmpd="sng">
+                      <a:noFill/>
+                    </a:lnB>
+                    <a:lnTlToBr w="12700" cmpd="sng">
+                      <a:noFill/>
+                      <a:prstDash val="solid"/>
+                    </a:lnTlToBr>
+                    <a:lnBlToTr w="12700" cmpd="sng">
+                      <a:noFill/>
+                      <a:prstDash val="solid"/>
+                    </a:lnBlToTr>
+                  </a:tcPr>
                 </a:tc>
                 <a:tc>
                   <a:txBody>
@@ -8612,7 +8975,40 @@
                       <a:endParaRPr lang="en-IN" sz="900" dirty="0"/>
                     </a:p>
                   </a:txBody>
-                  <a:tcPr/>
+                  <a:tcPr anchor="ctr">
+                    <a:lnL w="6350" cap="flat" cmpd="sng" algn="ctr">
+                      <a:solidFill>
+                        <a:schemeClr val="accent1"/>
+                      </a:solidFill>
+                      <a:prstDash val="solid"/>
+                      <a:round/>
+                      <a:headEnd type="none" w="med" len="med"/>
+                      <a:tailEnd type="none" w="med" len="med"/>
+                    </a:lnL>
+                    <a:lnR w="38100" cap="flat" cmpd="sng" algn="ctr">
+                      <a:solidFill>
+                        <a:schemeClr val="accent1"/>
+                      </a:solidFill>
+                      <a:prstDash val="solid"/>
+                      <a:round/>
+                      <a:headEnd type="none" w="med" len="med"/>
+                      <a:tailEnd type="none" w="med" len="med"/>
+                    </a:lnR>
+                    <a:lnT w="12700" cmpd="sng">
+                      <a:noFill/>
+                    </a:lnT>
+                    <a:lnB w="12700" cmpd="sng">
+                      <a:noFill/>
+                    </a:lnB>
+                    <a:lnTlToBr w="12700" cmpd="sng">
+                      <a:noFill/>
+                      <a:prstDash val="solid"/>
+                    </a:lnTlToBr>
+                    <a:lnBlToTr w="12700" cmpd="sng">
+                      <a:noFill/>
+                      <a:prstDash val="solid"/>
+                    </a:lnBlToTr>
+                  </a:tcPr>
                 </a:tc>
                 <a:extLst>
                   <a:ext uri="{0D108BD9-81ED-4DB2-BD59-A6C34878D82A}">
@@ -8620,7 +9016,7 @@
                   </a:ext>
                 </a:extLst>
               </a:tr>
-              <a:tr h="239765">
+              <a:tr h="270000">
                 <a:tc>
                   <a:txBody>
                     <a:bodyPr/>
@@ -8633,7 +9029,40 @@
                       <a:endParaRPr lang="en-IN" sz="900" dirty="0"/>
                     </a:p>
                   </a:txBody>
-                  <a:tcPr/>
+                  <a:tcPr anchor="ctr">
+                    <a:lnL w="38100" cap="flat" cmpd="sng" algn="ctr">
+                      <a:solidFill>
+                        <a:schemeClr val="accent1"/>
+                      </a:solidFill>
+                      <a:prstDash val="solid"/>
+                      <a:round/>
+                      <a:headEnd type="none" w="med" len="med"/>
+                      <a:tailEnd type="none" w="med" len="med"/>
+                    </a:lnL>
+                    <a:lnR w="6350" cap="flat" cmpd="sng" algn="ctr">
+                      <a:solidFill>
+                        <a:schemeClr val="accent1"/>
+                      </a:solidFill>
+                      <a:prstDash val="solid"/>
+                      <a:round/>
+                      <a:headEnd type="none" w="med" len="med"/>
+                      <a:tailEnd type="none" w="med" len="med"/>
+                    </a:lnR>
+                    <a:lnT w="12700" cmpd="sng">
+                      <a:noFill/>
+                    </a:lnT>
+                    <a:lnB w="12700" cmpd="sng">
+                      <a:noFill/>
+                    </a:lnB>
+                    <a:lnTlToBr w="12700" cmpd="sng">
+                      <a:noFill/>
+                      <a:prstDash val="solid"/>
+                    </a:lnTlToBr>
+                    <a:lnBlToTr w="12700" cmpd="sng">
+                      <a:noFill/>
+                      <a:prstDash val="solid"/>
+                    </a:lnBlToTr>
+                  </a:tcPr>
                 </a:tc>
                 <a:tc>
                   <a:txBody>
@@ -8647,7 +9076,40 @@
                       <a:endParaRPr lang="en-IN" sz="900" dirty="0"/>
                     </a:p>
                   </a:txBody>
-                  <a:tcPr/>
+                  <a:tcPr anchor="ctr">
+                    <a:lnL w="6350" cap="flat" cmpd="sng" algn="ctr">
+                      <a:solidFill>
+                        <a:schemeClr val="accent1"/>
+                      </a:solidFill>
+                      <a:prstDash val="solid"/>
+                      <a:round/>
+                      <a:headEnd type="none" w="med" len="med"/>
+                      <a:tailEnd type="none" w="med" len="med"/>
+                    </a:lnL>
+                    <a:lnR w="38100" cap="flat" cmpd="sng" algn="ctr">
+                      <a:solidFill>
+                        <a:schemeClr val="accent1"/>
+                      </a:solidFill>
+                      <a:prstDash val="solid"/>
+                      <a:round/>
+                      <a:headEnd type="none" w="med" len="med"/>
+                      <a:tailEnd type="none" w="med" len="med"/>
+                    </a:lnR>
+                    <a:lnT w="12700" cmpd="sng">
+                      <a:noFill/>
+                    </a:lnT>
+                    <a:lnB w="12700" cmpd="sng">
+                      <a:noFill/>
+                    </a:lnB>
+                    <a:lnTlToBr w="12700" cmpd="sng">
+                      <a:noFill/>
+                      <a:prstDash val="solid"/>
+                    </a:lnTlToBr>
+                    <a:lnBlToTr w="12700" cmpd="sng">
+                      <a:noFill/>
+                      <a:prstDash val="solid"/>
+                    </a:lnBlToTr>
+                  </a:tcPr>
                 </a:tc>
                 <a:extLst>
                   <a:ext uri="{0D108BD9-81ED-4DB2-BD59-A6C34878D82A}">
@@ -8655,7 +9117,7 @@
                   </a:ext>
                 </a:extLst>
               </a:tr>
-              <a:tr h="239765">
+              <a:tr h="270000">
                 <a:tc>
                   <a:txBody>
                     <a:bodyPr/>
@@ -8668,7 +9130,40 @@
                       <a:endParaRPr lang="en-IN" sz="900" dirty="0"/>
                     </a:p>
                   </a:txBody>
-                  <a:tcPr/>
+                  <a:tcPr anchor="ctr">
+                    <a:lnL w="38100" cap="flat" cmpd="sng" algn="ctr">
+                      <a:solidFill>
+                        <a:schemeClr val="accent1"/>
+                      </a:solidFill>
+                      <a:prstDash val="solid"/>
+                      <a:round/>
+                      <a:headEnd type="none" w="med" len="med"/>
+                      <a:tailEnd type="none" w="med" len="med"/>
+                    </a:lnL>
+                    <a:lnR w="6350" cap="flat" cmpd="sng" algn="ctr">
+                      <a:solidFill>
+                        <a:schemeClr val="accent1"/>
+                      </a:solidFill>
+                      <a:prstDash val="solid"/>
+                      <a:round/>
+                      <a:headEnd type="none" w="med" len="med"/>
+                      <a:tailEnd type="none" w="med" len="med"/>
+                    </a:lnR>
+                    <a:lnT w="12700" cmpd="sng">
+                      <a:noFill/>
+                    </a:lnT>
+                    <a:lnB w="12700" cmpd="sng">
+                      <a:noFill/>
+                    </a:lnB>
+                    <a:lnTlToBr w="12700" cmpd="sng">
+                      <a:noFill/>
+                      <a:prstDash val="solid"/>
+                    </a:lnTlToBr>
+                    <a:lnBlToTr w="12700" cmpd="sng">
+                      <a:noFill/>
+                      <a:prstDash val="solid"/>
+                    </a:lnBlToTr>
+                  </a:tcPr>
                 </a:tc>
                 <a:tc>
                   <a:txBody>
@@ -8682,7 +9177,40 @@
                       <a:endParaRPr lang="en-IN" sz="900" dirty="0"/>
                     </a:p>
                   </a:txBody>
-                  <a:tcPr/>
+                  <a:tcPr anchor="ctr">
+                    <a:lnL w="6350" cap="flat" cmpd="sng" algn="ctr">
+                      <a:solidFill>
+                        <a:schemeClr val="accent1"/>
+                      </a:solidFill>
+                      <a:prstDash val="solid"/>
+                      <a:round/>
+                      <a:headEnd type="none" w="med" len="med"/>
+                      <a:tailEnd type="none" w="med" len="med"/>
+                    </a:lnL>
+                    <a:lnR w="38100" cap="flat" cmpd="sng" algn="ctr">
+                      <a:solidFill>
+                        <a:schemeClr val="accent1"/>
+                      </a:solidFill>
+                      <a:prstDash val="solid"/>
+                      <a:round/>
+                      <a:headEnd type="none" w="med" len="med"/>
+                      <a:tailEnd type="none" w="med" len="med"/>
+                    </a:lnR>
+                    <a:lnT w="12700" cmpd="sng">
+                      <a:noFill/>
+                    </a:lnT>
+                    <a:lnB w="12700" cmpd="sng">
+                      <a:noFill/>
+                    </a:lnB>
+                    <a:lnTlToBr w="12700" cmpd="sng">
+                      <a:noFill/>
+                      <a:prstDash val="solid"/>
+                    </a:lnTlToBr>
+                    <a:lnBlToTr w="12700" cmpd="sng">
+                      <a:noFill/>
+                      <a:prstDash val="solid"/>
+                    </a:lnBlToTr>
+                  </a:tcPr>
                 </a:tc>
                 <a:extLst>
                   <a:ext uri="{0D108BD9-81ED-4DB2-BD59-A6C34878D82A}">
@@ -8690,7 +9218,7 @@
                   </a:ext>
                 </a:extLst>
               </a:tr>
-              <a:tr h="239765">
+              <a:tr h="270000">
                 <a:tc>
                   <a:txBody>
                     <a:bodyPr/>
@@ -8703,7 +9231,40 @@
                       <a:endParaRPr lang="en-IN" sz="900" dirty="0"/>
                     </a:p>
                   </a:txBody>
-                  <a:tcPr/>
+                  <a:tcPr anchor="ctr">
+                    <a:lnL w="38100" cap="flat" cmpd="sng" algn="ctr">
+                      <a:solidFill>
+                        <a:schemeClr val="accent1"/>
+                      </a:solidFill>
+                      <a:prstDash val="solid"/>
+                      <a:round/>
+                      <a:headEnd type="none" w="med" len="med"/>
+                      <a:tailEnd type="none" w="med" len="med"/>
+                    </a:lnL>
+                    <a:lnR w="6350" cap="flat" cmpd="sng" algn="ctr">
+                      <a:solidFill>
+                        <a:schemeClr val="accent1"/>
+                      </a:solidFill>
+                      <a:prstDash val="solid"/>
+                      <a:round/>
+                      <a:headEnd type="none" w="med" len="med"/>
+                      <a:tailEnd type="none" w="med" len="med"/>
+                    </a:lnR>
+                    <a:lnT w="12700" cmpd="sng">
+                      <a:noFill/>
+                    </a:lnT>
+                    <a:lnB w="12700" cmpd="sng">
+                      <a:noFill/>
+                    </a:lnB>
+                    <a:lnTlToBr w="12700" cmpd="sng">
+                      <a:noFill/>
+                      <a:prstDash val="solid"/>
+                    </a:lnTlToBr>
+                    <a:lnBlToTr w="12700" cmpd="sng">
+                      <a:noFill/>
+                      <a:prstDash val="solid"/>
+                    </a:lnBlToTr>
+                  </a:tcPr>
                 </a:tc>
                 <a:tc>
                   <a:txBody>
@@ -8717,7 +9278,40 @@
                       <a:endParaRPr lang="en-IN" sz="900" dirty="0"/>
                     </a:p>
                   </a:txBody>
-                  <a:tcPr/>
+                  <a:tcPr anchor="ctr">
+                    <a:lnL w="6350" cap="flat" cmpd="sng" algn="ctr">
+                      <a:solidFill>
+                        <a:schemeClr val="accent1"/>
+                      </a:solidFill>
+                      <a:prstDash val="solid"/>
+                      <a:round/>
+                      <a:headEnd type="none" w="med" len="med"/>
+                      <a:tailEnd type="none" w="med" len="med"/>
+                    </a:lnL>
+                    <a:lnR w="38100" cap="flat" cmpd="sng" algn="ctr">
+                      <a:solidFill>
+                        <a:schemeClr val="accent1"/>
+                      </a:solidFill>
+                      <a:prstDash val="solid"/>
+                      <a:round/>
+                      <a:headEnd type="none" w="med" len="med"/>
+                      <a:tailEnd type="none" w="med" len="med"/>
+                    </a:lnR>
+                    <a:lnT w="12700" cmpd="sng">
+                      <a:noFill/>
+                    </a:lnT>
+                    <a:lnB w="12700" cmpd="sng">
+                      <a:noFill/>
+                    </a:lnB>
+                    <a:lnTlToBr w="12700" cmpd="sng">
+                      <a:noFill/>
+                      <a:prstDash val="solid"/>
+                    </a:lnTlToBr>
+                    <a:lnBlToTr w="12700" cmpd="sng">
+                      <a:noFill/>
+                      <a:prstDash val="solid"/>
+                    </a:lnBlToTr>
+                  </a:tcPr>
                 </a:tc>
                 <a:extLst>
                   <a:ext uri="{0D108BD9-81ED-4DB2-BD59-A6C34878D82A}">
@@ -8725,7 +9319,7 @@
                   </a:ext>
                 </a:extLst>
               </a:tr>
-              <a:tr h="239765">
+              <a:tr h="270000">
                 <a:tc>
                   <a:txBody>
                     <a:bodyPr/>
@@ -8738,7 +9332,40 @@
                       <a:endParaRPr lang="en-IN" sz="900" dirty="0"/>
                     </a:p>
                   </a:txBody>
-                  <a:tcPr/>
+                  <a:tcPr anchor="ctr">
+                    <a:lnL w="38100" cap="flat" cmpd="sng" algn="ctr">
+                      <a:solidFill>
+                        <a:schemeClr val="accent1"/>
+                      </a:solidFill>
+                      <a:prstDash val="solid"/>
+                      <a:round/>
+                      <a:headEnd type="none" w="med" len="med"/>
+                      <a:tailEnd type="none" w="med" len="med"/>
+                    </a:lnL>
+                    <a:lnR w="6350" cap="flat" cmpd="sng" algn="ctr">
+                      <a:solidFill>
+                        <a:schemeClr val="accent1"/>
+                      </a:solidFill>
+                      <a:prstDash val="solid"/>
+                      <a:round/>
+                      <a:headEnd type="none" w="med" len="med"/>
+                      <a:tailEnd type="none" w="med" len="med"/>
+                    </a:lnR>
+                    <a:lnT w="12700" cmpd="sng">
+                      <a:noFill/>
+                    </a:lnT>
+                    <a:lnB w="12700" cmpd="sng">
+                      <a:noFill/>
+                    </a:lnB>
+                    <a:lnTlToBr w="12700" cmpd="sng">
+                      <a:noFill/>
+                      <a:prstDash val="solid"/>
+                    </a:lnTlToBr>
+                    <a:lnBlToTr w="12700" cmpd="sng">
+                      <a:noFill/>
+                      <a:prstDash val="solid"/>
+                    </a:lnBlToTr>
+                  </a:tcPr>
                 </a:tc>
                 <a:tc>
                   <a:txBody>
@@ -8752,7 +9379,40 @@
                       <a:endParaRPr lang="en-IN" sz="900" dirty="0"/>
                     </a:p>
                   </a:txBody>
-                  <a:tcPr/>
+                  <a:tcPr anchor="ctr">
+                    <a:lnL w="6350" cap="flat" cmpd="sng" algn="ctr">
+                      <a:solidFill>
+                        <a:schemeClr val="accent1"/>
+                      </a:solidFill>
+                      <a:prstDash val="solid"/>
+                      <a:round/>
+                      <a:headEnd type="none" w="med" len="med"/>
+                      <a:tailEnd type="none" w="med" len="med"/>
+                    </a:lnL>
+                    <a:lnR w="38100" cap="flat" cmpd="sng" algn="ctr">
+                      <a:solidFill>
+                        <a:schemeClr val="accent1"/>
+                      </a:solidFill>
+                      <a:prstDash val="solid"/>
+                      <a:round/>
+                      <a:headEnd type="none" w="med" len="med"/>
+                      <a:tailEnd type="none" w="med" len="med"/>
+                    </a:lnR>
+                    <a:lnT w="12700" cmpd="sng">
+                      <a:noFill/>
+                    </a:lnT>
+                    <a:lnB w="12700" cmpd="sng">
+                      <a:noFill/>
+                    </a:lnB>
+                    <a:lnTlToBr w="12700" cmpd="sng">
+                      <a:noFill/>
+                      <a:prstDash val="solid"/>
+                    </a:lnTlToBr>
+                    <a:lnBlToTr w="12700" cmpd="sng">
+                      <a:noFill/>
+                      <a:prstDash val="solid"/>
+                    </a:lnBlToTr>
+                  </a:tcPr>
                 </a:tc>
                 <a:extLst>
                   <a:ext uri="{0D108BD9-81ED-4DB2-BD59-A6C34878D82A}">
@@ -8760,7 +9420,7 @@
                   </a:ext>
                 </a:extLst>
               </a:tr>
-              <a:tr h="239765">
+              <a:tr h="270000">
                 <a:tc>
                   <a:txBody>
                     <a:bodyPr/>
@@ -8773,7 +9433,40 @@
                       <a:endParaRPr lang="en-IN" sz="900" dirty="0"/>
                     </a:p>
                   </a:txBody>
-                  <a:tcPr/>
+                  <a:tcPr anchor="ctr">
+                    <a:lnL w="38100" cap="flat" cmpd="sng" algn="ctr">
+                      <a:solidFill>
+                        <a:schemeClr val="accent1"/>
+                      </a:solidFill>
+                      <a:prstDash val="solid"/>
+                      <a:round/>
+                      <a:headEnd type="none" w="med" len="med"/>
+                      <a:tailEnd type="none" w="med" len="med"/>
+                    </a:lnL>
+                    <a:lnR w="6350" cap="flat" cmpd="sng" algn="ctr">
+                      <a:solidFill>
+                        <a:schemeClr val="accent1"/>
+                      </a:solidFill>
+                      <a:prstDash val="solid"/>
+                      <a:round/>
+                      <a:headEnd type="none" w="med" len="med"/>
+                      <a:tailEnd type="none" w="med" len="med"/>
+                    </a:lnR>
+                    <a:lnT w="12700" cmpd="sng">
+                      <a:noFill/>
+                    </a:lnT>
+                    <a:lnB w="12700" cmpd="sng">
+                      <a:noFill/>
+                    </a:lnB>
+                    <a:lnTlToBr w="12700" cmpd="sng">
+                      <a:noFill/>
+                      <a:prstDash val="solid"/>
+                    </a:lnTlToBr>
+                    <a:lnBlToTr w="12700" cmpd="sng">
+                      <a:noFill/>
+                      <a:prstDash val="solid"/>
+                    </a:lnBlToTr>
+                  </a:tcPr>
                 </a:tc>
                 <a:tc>
                   <a:txBody>
@@ -8787,7 +9480,40 @@
                       <a:endParaRPr lang="en-IN" sz="900" dirty="0"/>
                     </a:p>
                   </a:txBody>
-                  <a:tcPr/>
+                  <a:tcPr anchor="ctr">
+                    <a:lnL w="6350" cap="flat" cmpd="sng" algn="ctr">
+                      <a:solidFill>
+                        <a:schemeClr val="accent1"/>
+                      </a:solidFill>
+                      <a:prstDash val="solid"/>
+                      <a:round/>
+                      <a:headEnd type="none" w="med" len="med"/>
+                      <a:tailEnd type="none" w="med" len="med"/>
+                    </a:lnL>
+                    <a:lnR w="38100" cap="flat" cmpd="sng" algn="ctr">
+                      <a:solidFill>
+                        <a:schemeClr val="accent1"/>
+                      </a:solidFill>
+                      <a:prstDash val="solid"/>
+                      <a:round/>
+                      <a:headEnd type="none" w="med" len="med"/>
+                      <a:tailEnd type="none" w="med" len="med"/>
+                    </a:lnR>
+                    <a:lnT w="12700" cmpd="sng">
+                      <a:noFill/>
+                    </a:lnT>
+                    <a:lnB w="12700" cmpd="sng">
+                      <a:noFill/>
+                    </a:lnB>
+                    <a:lnTlToBr w="12700" cmpd="sng">
+                      <a:noFill/>
+                      <a:prstDash val="solid"/>
+                    </a:lnTlToBr>
+                    <a:lnBlToTr w="12700" cmpd="sng">
+                      <a:noFill/>
+                      <a:prstDash val="solid"/>
+                    </a:lnBlToTr>
+                  </a:tcPr>
                 </a:tc>
                 <a:extLst>
                   <a:ext uri="{0D108BD9-81ED-4DB2-BD59-A6C34878D82A}">
@@ -8795,7 +9521,7 @@
                   </a:ext>
                 </a:extLst>
               </a:tr>
-              <a:tr h="239765">
+              <a:tr h="270000">
                 <a:tc>
                   <a:txBody>
                     <a:bodyPr/>
@@ -8808,7 +9534,40 @@
                       <a:endParaRPr lang="en-IN" sz="900" dirty="0"/>
                     </a:p>
                   </a:txBody>
-                  <a:tcPr/>
+                  <a:tcPr anchor="ctr">
+                    <a:lnL w="38100" cap="flat" cmpd="sng" algn="ctr">
+                      <a:solidFill>
+                        <a:schemeClr val="accent1"/>
+                      </a:solidFill>
+                      <a:prstDash val="solid"/>
+                      <a:round/>
+                      <a:headEnd type="none" w="med" len="med"/>
+                      <a:tailEnd type="none" w="med" len="med"/>
+                    </a:lnL>
+                    <a:lnR w="6350" cap="flat" cmpd="sng" algn="ctr">
+                      <a:solidFill>
+                        <a:schemeClr val="accent1"/>
+                      </a:solidFill>
+                      <a:prstDash val="solid"/>
+                      <a:round/>
+                      <a:headEnd type="none" w="med" len="med"/>
+                      <a:tailEnd type="none" w="med" len="med"/>
+                    </a:lnR>
+                    <a:lnT w="12700" cmpd="sng">
+                      <a:noFill/>
+                    </a:lnT>
+                    <a:lnB w="12700" cmpd="sng">
+                      <a:noFill/>
+                    </a:lnB>
+                    <a:lnTlToBr w="12700" cmpd="sng">
+                      <a:noFill/>
+                      <a:prstDash val="solid"/>
+                    </a:lnTlToBr>
+                    <a:lnBlToTr w="12700" cmpd="sng">
+                      <a:noFill/>
+                      <a:prstDash val="solid"/>
+                    </a:lnBlToTr>
+                  </a:tcPr>
                 </a:tc>
                 <a:tc>
                   <a:txBody>
@@ -8822,7 +9581,40 @@
                       <a:endParaRPr lang="en-IN" sz="900" dirty="0"/>
                     </a:p>
                   </a:txBody>
-                  <a:tcPr/>
+                  <a:tcPr anchor="ctr">
+                    <a:lnL w="6350" cap="flat" cmpd="sng" algn="ctr">
+                      <a:solidFill>
+                        <a:schemeClr val="accent1"/>
+                      </a:solidFill>
+                      <a:prstDash val="solid"/>
+                      <a:round/>
+                      <a:headEnd type="none" w="med" len="med"/>
+                      <a:tailEnd type="none" w="med" len="med"/>
+                    </a:lnL>
+                    <a:lnR w="38100" cap="flat" cmpd="sng" algn="ctr">
+                      <a:solidFill>
+                        <a:schemeClr val="accent1"/>
+                      </a:solidFill>
+                      <a:prstDash val="solid"/>
+                      <a:round/>
+                      <a:headEnd type="none" w="med" len="med"/>
+                      <a:tailEnd type="none" w="med" len="med"/>
+                    </a:lnR>
+                    <a:lnT w="12700" cmpd="sng">
+                      <a:noFill/>
+                    </a:lnT>
+                    <a:lnB w="12700" cmpd="sng">
+                      <a:noFill/>
+                    </a:lnB>
+                    <a:lnTlToBr w="12700" cmpd="sng">
+                      <a:noFill/>
+                      <a:prstDash val="solid"/>
+                    </a:lnTlToBr>
+                    <a:lnBlToTr w="12700" cmpd="sng">
+                      <a:noFill/>
+                      <a:prstDash val="solid"/>
+                    </a:lnBlToTr>
+                  </a:tcPr>
                 </a:tc>
                 <a:extLst>
                   <a:ext uri="{0D108BD9-81ED-4DB2-BD59-A6C34878D82A}">
@@ -8830,7 +9622,7 @@
                   </a:ext>
                 </a:extLst>
               </a:tr>
-              <a:tr h="239765">
+              <a:tr h="270000">
                 <a:tc>
                   <a:txBody>
                     <a:bodyPr/>
@@ -8843,7 +9635,40 @@
                       <a:endParaRPr lang="en-IN" sz="900" dirty="0"/>
                     </a:p>
                   </a:txBody>
-                  <a:tcPr/>
+                  <a:tcPr anchor="ctr">
+                    <a:lnL w="38100" cap="flat" cmpd="sng" algn="ctr">
+                      <a:solidFill>
+                        <a:schemeClr val="accent1"/>
+                      </a:solidFill>
+                      <a:prstDash val="solid"/>
+                      <a:round/>
+                      <a:headEnd type="none" w="med" len="med"/>
+                      <a:tailEnd type="none" w="med" len="med"/>
+                    </a:lnL>
+                    <a:lnR w="6350" cap="flat" cmpd="sng" algn="ctr">
+                      <a:solidFill>
+                        <a:schemeClr val="accent1"/>
+                      </a:solidFill>
+                      <a:prstDash val="solid"/>
+                      <a:round/>
+                      <a:headEnd type="none" w="med" len="med"/>
+                      <a:tailEnd type="none" w="med" len="med"/>
+                    </a:lnR>
+                    <a:lnT w="12700" cmpd="sng">
+                      <a:noFill/>
+                    </a:lnT>
+                    <a:lnB w="12700" cmpd="sng">
+                      <a:noFill/>
+                    </a:lnB>
+                    <a:lnTlToBr w="12700" cmpd="sng">
+                      <a:noFill/>
+                      <a:prstDash val="solid"/>
+                    </a:lnTlToBr>
+                    <a:lnBlToTr w="12700" cmpd="sng">
+                      <a:noFill/>
+                      <a:prstDash val="solid"/>
+                    </a:lnBlToTr>
+                  </a:tcPr>
                 </a:tc>
                 <a:tc>
                   <a:txBody>
@@ -8857,7 +9682,40 @@
                       <a:endParaRPr lang="en-IN" sz="900" dirty="0"/>
                     </a:p>
                   </a:txBody>
-                  <a:tcPr/>
+                  <a:tcPr anchor="ctr">
+                    <a:lnL w="6350" cap="flat" cmpd="sng" algn="ctr">
+                      <a:solidFill>
+                        <a:schemeClr val="accent1"/>
+                      </a:solidFill>
+                      <a:prstDash val="solid"/>
+                      <a:round/>
+                      <a:headEnd type="none" w="med" len="med"/>
+                      <a:tailEnd type="none" w="med" len="med"/>
+                    </a:lnL>
+                    <a:lnR w="38100" cap="flat" cmpd="sng" algn="ctr">
+                      <a:solidFill>
+                        <a:schemeClr val="accent1"/>
+                      </a:solidFill>
+                      <a:prstDash val="solid"/>
+                      <a:round/>
+                      <a:headEnd type="none" w="med" len="med"/>
+                      <a:tailEnd type="none" w="med" len="med"/>
+                    </a:lnR>
+                    <a:lnT w="12700" cmpd="sng">
+                      <a:noFill/>
+                    </a:lnT>
+                    <a:lnB w="12700" cmpd="sng">
+                      <a:noFill/>
+                    </a:lnB>
+                    <a:lnTlToBr w="12700" cmpd="sng">
+                      <a:noFill/>
+                      <a:prstDash val="solid"/>
+                    </a:lnTlToBr>
+                    <a:lnBlToTr w="12700" cmpd="sng">
+                      <a:noFill/>
+                      <a:prstDash val="solid"/>
+                    </a:lnBlToTr>
+                  </a:tcPr>
                 </a:tc>
                 <a:extLst>
                   <a:ext uri="{0D108BD9-81ED-4DB2-BD59-A6C34878D82A}">
@@ -8865,7 +9723,7 @@
                   </a:ext>
                 </a:extLst>
               </a:tr>
-              <a:tr h="239765">
+              <a:tr h="270000">
                 <a:tc>
                   <a:txBody>
                     <a:bodyPr/>
@@ -8878,7 +9736,40 @@
                       <a:endParaRPr lang="en-IN" sz="900" dirty="0"/>
                     </a:p>
                   </a:txBody>
-                  <a:tcPr/>
+                  <a:tcPr anchor="ctr">
+                    <a:lnL w="38100" cap="flat" cmpd="sng" algn="ctr">
+                      <a:solidFill>
+                        <a:schemeClr val="accent1"/>
+                      </a:solidFill>
+                      <a:prstDash val="solid"/>
+                      <a:round/>
+                      <a:headEnd type="none" w="med" len="med"/>
+                      <a:tailEnd type="none" w="med" len="med"/>
+                    </a:lnL>
+                    <a:lnR w="6350" cap="flat" cmpd="sng" algn="ctr">
+                      <a:solidFill>
+                        <a:schemeClr val="accent1"/>
+                      </a:solidFill>
+                      <a:prstDash val="solid"/>
+                      <a:round/>
+                      <a:headEnd type="none" w="med" len="med"/>
+                      <a:tailEnd type="none" w="med" len="med"/>
+                    </a:lnR>
+                    <a:lnT w="12700" cmpd="sng">
+                      <a:noFill/>
+                    </a:lnT>
+                    <a:lnB w="12700" cmpd="sng">
+                      <a:noFill/>
+                    </a:lnB>
+                    <a:lnTlToBr w="12700" cmpd="sng">
+                      <a:noFill/>
+                      <a:prstDash val="solid"/>
+                    </a:lnTlToBr>
+                    <a:lnBlToTr w="12700" cmpd="sng">
+                      <a:noFill/>
+                      <a:prstDash val="solid"/>
+                    </a:lnBlToTr>
+                  </a:tcPr>
                 </a:tc>
                 <a:tc>
                   <a:txBody>
@@ -8892,7 +9783,40 @@
                       <a:endParaRPr lang="en-IN" sz="900" dirty="0"/>
                     </a:p>
                   </a:txBody>
-                  <a:tcPr/>
+                  <a:tcPr anchor="ctr">
+                    <a:lnL w="6350" cap="flat" cmpd="sng" algn="ctr">
+                      <a:solidFill>
+                        <a:schemeClr val="accent1"/>
+                      </a:solidFill>
+                      <a:prstDash val="solid"/>
+                      <a:round/>
+                      <a:headEnd type="none" w="med" len="med"/>
+                      <a:tailEnd type="none" w="med" len="med"/>
+                    </a:lnL>
+                    <a:lnR w="38100" cap="flat" cmpd="sng" algn="ctr">
+                      <a:solidFill>
+                        <a:schemeClr val="accent1"/>
+                      </a:solidFill>
+                      <a:prstDash val="solid"/>
+                      <a:round/>
+                      <a:headEnd type="none" w="med" len="med"/>
+                      <a:tailEnd type="none" w="med" len="med"/>
+                    </a:lnR>
+                    <a:lnT w="12700" cmpd="sng">
+                      <a:noFill/>
+                    </a:lnT>
+                    <a:lnB w="12700" cmpd="sng">
+                      <a:noFill/>
+                    </a:lnB>
+                    <a:lnTlToBr w="12700" cmpd="sng">
+                      <a:noFill/>
+                      <a:prstDash val="solid"/>
+                    </a:lnTlToBr>
+                    <a:lnBlToTr w="12700" cmpd="sng">
+                      <a:noFill/>
+                      <a:prstDash val="solid"/>
+                    </a:lnBlToTr>
+                  </a:tcPr>
                 </a:tc>
                 <a:extLst>
                   <a:ext uri="{0D108BD9-81ED-4DB2-BD59-A6C34878D82A}">
@@ -8900,7 +9824,7 @@
                   </a:ext>
                 </a:extLst>
               </a:tr>
-              <a:tr h="239765">
+              <a:tr h="270000">
                 <a:tc>
                   <a:txBody>
                     <a:bodyPr/>
@@ -8913,7 +9837,46 @@
                       <a:endParaRPr lang="en-IN" sz="900" dirty="0"/>
                     </a:p>
                   </a:txBody>
-                  <a:tcPr/>
+                  <a:tcPr anchor="ctr">
+                    <a:lnL w="38100" cap="flat" cmpd="sng" algn="ctr">
+                      <a:solidFill>
+                        <a:schemeClr val="accent1"/>
+                      </a:solidFill>
+                      <a:prstDash val="solid"/>
+                      <a:round/>
+                      <a:headEnd type="none" w="med" len="med"/>
+                      <a:tailEnd type="none" w="med" len="med"/>
+                    </a:lnL>
+                    <a:lnR w="6350" cap="flat" cmpd="sng" algn="ctr">
+                      <a:solidFill>
+                        <a:schemeClr val="accent1"/>
+                      </a:solidFill>
+                      <a:prstDash val="solid"/>
+                      <a:round/>
+                      <a:headEnd type="none" w="med" len="med"/>
+                      <a:tailEnd type="none" w="med" len="med"/>
+                    </a:lnR>
+                    <a:lnT w="12700" cmpd="sng">
+                      <a:noFill/>
+                    </a:lnT>
+                    <a:lnB w="38100" cap="flat" cmpd="sng" algn="ctr">
+                      <a:solidFill>
+                        <a:schemeClr val="accent1"/>
+                      </a:solidFill>
+                      <a:prstDash val="solid"/>
+                      <a:round/>
+                      <a:headEnd type="none" w="med" len="med"/>
+                      <a:tailEnd type="none" w="med" len="med"/>
+                    </a:lnB>
+                    <a:lnTlToBr w="12700" cmpd="sng">
+                      <a:noFill/>
+                      <a:prstDash val="solid"/>
+                    </a:lnTlToBr>
+                    <a:lnBlToTr w="12700" cmpd="sng">
+                      <a:noFill/>
+                      <a:prstDash val="solid"/>
+                    </a:lnBlToTr>
+                  </a:tcPr>
                 </a:tc>
                 <a:tc>
                   <a:txBody>
@@ -8927,7 +9890,46 @@
                       <a:endParaRPr lang="en-IN" sz="900" dirty="0"/>
                     </a:p>
                   </a:txBody>
-                  <a:tcPr/>
+                  <a:tcPr anchor="ctr">
+                    <a:lnL w="6350" cap="flat" cmpd="sng" algn="ctr">
+                      <a:solidFill>
+                        <a:schemeClr val="accent1"/>
+                      </a:solidFill>
+                      <a:prstDash val="solid"/>
+                      <a:round/>
+                      <a:headEnd type="none" w="med" len="med"/>
+                      <a:tailEnd type="none" w="med" len="med"/>
+                    </a:lnL>
+                    <a:lnR w="38100" cap="flat" cmpd="sng" algn="ctr">
+                      <a:solidFill>
+                        <a:schemeClr val="accent1"/>
+                      </a:solidFill>
+                      <a:prstDash val="solid"/>
+                      <a:round/>
+                      <a:headEnd type="none" w="med" len="med"/>
+                      <a:tailEnd type="none" w="med" len="med"/>
+                    </a:lnR>
+                    <a:lnT w="12700" cmpd="sng">
+                      <a:noFill/>
+                    </a:lnT>
+                    <a:lnB w="38100" cap="flat" cmpd="sng" algn="ctr">
+                      <a:solidFill>
+                        <a:schemeClr val="accent1"/>
+                      </a:solidFill>
+                      <a:prstDash val="solid"/>
+                      <a:round/>
+                      <a:headEnd type="none" w="med" len="med"/>
+                      <a:tailEnd type="none" w="med" len="med"/>
+                    </a:lnB>
+                    <a:lnTlToBr w="12700" cmpd="sng">
+                      <a:noFill/>
+                      <a:prstDash val="solid"/>
+                    </a:lnTlToBr>
+                    <a:lnBlToTr w="12700" cmpd="sng">
+                      <a:noFill/>
+                      <a:prstDash val="solid"/>
+                    </a:lnBlToTr>
+                  </a:tcPr>
                 </a:tc>
                 <a:extLst>
                   <a:ext uri="{0D108BD9-81ED-4DB2-BD59-A6C34878D82A}">
